--- a/preznyaklaszlo/PL_prezi_JAVA_EE.pptx
+++ b/preznyaklaszlo/PL_prezi_JAVA_EE.pptx
@@ -11,10 +11,10 @@
     <p:sldId id="256" r:id="rId2"/>
     <p:sldId id="259" r:id="rId3"/>
     <p:sldId id="260" r:id="rId4"/>
-    <p:sldId id="261" r:id="rId5"/>
-    <p:sldId id="262" r:id="rId6"/>
-    <p:sldId id="263" r:id="rId7"/>
-    <p:sldId id="264" r:id="rId8"/>
+    <p:sldId id="267" r:id="rId5"/>
+    <p:sldId id="261" r:id="rId6"/>
+    <p:sldId id="262" r:id="rId7"/>
+    <p:sldId id="263" r:id="rId8"/>
     <p:sldId id="265" r:id="rId9"/>
     <p:sldId id="258" r:id="rId10"/>
   </p:sldIdLst>
@@ -216,7 +216,7 @@
           <a:p>
             <a:fld id="{99EB1A70-FA4F-4B7D-BCDA-1322FB6888AB}" type="datetimeFigureOut">
               <a:rPr lang="hu-HU" smtClean="0"/>
-              <a:t>2016.05.16.</a:t>
+              <a:t>2016.05.20.</a:t>
             </a:fld>
             <a:endParaRPr lang="hu-HU"/>
           </a:p>
@@ -981,7 +981,7 @@
           <a:p>
             <a:fld id="{89CE7DB6-B743-414E-9E50-9FB284B7DA76}" type="slidenum">
               <a:rPr lang="hu-HU" smtClean="0"/>
-              <a:t>4</a:t>
+              <a:t>5</a:t>
             </a:fld>
             <a:endParaRPr lang="hu-HU"/>
           </a:p>
@@ -1112,7 +1112,7 @@
           <a:p>
             <a:fld id="{89CE7DB6-B743-414E-9E50-9FB284B7DA76}" type="slidenum">
               <a:rPr lang="hu-HU" smtClean="0"/>
-              <a:t>5</a:t>
+              <a:t>6</a:t>
             </a:fld>
             <a:endParaRPr lang="hu-HU"/>
           </a:p>
@@ -1227,7 +1227,7 @@
           <a:p>
             <a:fld id="{89CE7DB6-B743-414E-9E50-9FB284B7DA76}" type="slidenum">
               <a:rPr lang="hu-HU" smtClean="0"/>
-              <a:t>6</a:t>
+              <a:t>7</a:t>
             </a:fld>
             <a:endParaRPr lang="hu-HU"/>
           </a:p>
@@ -1247,112 +1247,6 @@
 </file>
 
 <file path=ppt/notesSlides/notesSlide7.xml><?xml version="1.0" encoding="utf-8"?>
-<p:notes xmlns:a="http://schemas.openxmlformats.org/drawingml/2006/main" xmlns:r="http://schemas.openxmlformats.org/officeDocument/2006/relationships" xmlns:p="http://schemas.openxmlformats.org/presentationml/2006/main">
-  <p:cSld>
-    <p:spTree>
-      <p:nvGrpSpPr>
-        <p:cNvPr id="1" name=""/>
-        <p:cNvGrpSpPr/>
-        <p:nvPr/>
-      </p:nvGrpSpPr>
-      <p:grpSpPr>
-        <a:xfrm>
-          <a:off x="0" y="0"/>
-          <a:ext cx="0" cy="0"/>
-          <a:chOff x="0" y="0"/>
-          <a:chExt cx="0" cy="0"/>
-        </a:xfrm>
-      </p:grpSpPr>
-      <p:sp>
-        <p:nvSpPr>
-          <p:cNvPr id="2" name="Diakép helye 1"/>
-          <p:cNvSpPr>
-            <a:spLocks noGrp="1" noRot="1" noChangeAspect="1"/>
-          </p:cNvSpPr>
-          <p:nvPr>
-            <p:ph type="sldImg"/>
-          </p:nvPr>
-        </p:nvSpPr>
-        <p:spPr/>
-      </p:sp>
-      <p:sp>
-        <p:nvSpPr>
-          <p:cNvPr id="3" name="Jegyzetek helye 2"/>
-          <p:cNvSpPr>
-            <a:spLocks noGrp="1"/>
-          </p:cNvSpPr>
-          <p:nvPr>
-            <p:ph type="body" idx="1"/>
-          </p:nvPr>
-        </p:nvSpPr>
-        <p:spPr/>
-        <p:txBody>
-          <a:bodyPr/>
-          <a:lstStyle/>
-          <a:p>
-            <a:r>
-              <a:rPr lang="hu-HU" dirty="0" smtClean="0"/>
-              <a:t>Egy átfogó</a:t>
-            </a:r>
-            <a:r>
-              <a:rPr lang="hu-HU" baseline="0" dirty="0" smtClean="0"/>
-              <a:t> értékelés a projektmunkáról, képzésről. Hogyan teljesítettünk, milyen lett a munka eredménye.</a:t>
-            </a:r>
-          </a:p>
-          <a:p>
-            <a:r>
-              <a:rPr lang="hu-HU" baseline="0" dirty="0" smtClean="0"/>
-              <a:t>Fejlődés még várható, de ez egy remek indítás volt.</a:t>
-            </a:r>
-          </a:p>
-          <a:p>
-            <a:r>
-              <a:rPr lang="hu-HU" baseline="0" dirty="0" smtClean="0"/>
-              <a:t>Akadtak elhagyott feladatok, de összességében a csapat kitett magáért.</a:t>
-            </a:r>
-          </a:p>
-          <a:p>
-            <a:endParaRPr lang="hu-HU" dirty="0"/>
-          </a:p>
-        </p:txBody>
-      </p:sp>
-      <p:sp>
-        <p:nvSpPr>
-          <p:cNvPr id="4" name="Dia számának helye 3"/>
-          <p:cNvSpPr>
-            <a:spLocks noGrp="1"/>
-          </p:cNvSpPr>
-          <p:nvPr>
-            <p:ph type="sldNum" sz="quarter" idx="10"/>
-          </p:nvPr>
-        </p:nvSpPr>
-        <p:spPr/>
-        <p:txBody>
-          <a:bodyPr/>
-          <a:lstStyle/>
-          <a:p>
-            <a:fld id="{89CE7DB6-B743-414E-9E50-9FB284B7DA76}" type="slidenum">
-              <a:rPr lang="hu-HU" smtClean="0"/>
-              <a:t>7</a:t>
-            </a:fld>
-            <a:endParaRPr lang="hu-HU"/>
-          </a:p>
-        </p:txBody>
-      </p:sp>
-    </p:spTree>
-    <p:extLst>
-      <p:ext uri="{BB962C8B-B14F-4D97-AF65-F5344CB8AC3E}">
-        <p14:creationId xmlns:p14="http://schemas.microsoft.com/office/powerpoint/2010/main" val="2772167239"/>
-      </p:ext>
-    </p:extLst>
-  </p:cSld>
-  <p:clrMapOvr>
-    <a:masterClrMapping/>
-  </p:clrMapOvr>
-</p:notes>
-</file>
-
-<file path=ppt/notesSlides/notesSlide8.xml><?xml version="1.0" encoding="utf-8"?>
 <p:notes xmlns:a="http://schemas.openxmlformats.org/drawingml/2006/main" xmlns:r="http://schemas.openxmlformats.org/officeDocument/2006/relationships" xmlns:p="http://schemas.openxmlformats.org/presentationml/2006/main">
   <p:cSld>
     <p:spTree>
@@ -1581,7 +1475,7 @@
           <a:p>
             <a:fld id="{C6E8B002-83F0-41C5-A7B7-2819A96BD9B2}" type="datetimeFigureOut">
               <a:rPr lang="hu-HU" smtClean="0"/>
-              <a:t>2016.05.16.</a:t>
+              <a:t>2016.05.20.</a:t>
             </a:fld>
             <a:endParaRPr lang="hu-HU"/>
           </a:p>
@@ -1751,7 +1645,7 @@
           <a:p>
             <a:fld id="{C6E8B002-83F0-41C5-A7B7-2819A96BD9B2}" type="datetimeFigureOut">
               <a:rPr lang="hu-HU" smtClean="0"/>
-              <a:t>2016.05.16.</a:t>
+              <a:t>2016.05.20.</a:t>
             </a:fld>
             <a:endParaRPr lang="hu-HU"/>
           </a:p>
@@ -1931,7 +1825,7 @@
           <a:p>
             <a:fld id="{C6E8B002-83F0-41C5-A7B7-2819A96BD9B2}" type="datetimeFigureOut">
               <a:rPr lang="hu-HU" smtClean="0"/>
-              <a:t>2016.05.16.</a:t>
+              <a:t>2016.05.20.</a:t>
             </a:fld>
             <a:endParaRPr lang="hu-HU"/>
           </a:p>
@@ -2101,7 +1995,7 @@
           <a:p>
             <a:fld id="{C6E8B002-83F0-41C5-A7B7-2819A96BD9B2}" type="datetimeFigureOut">
               <a:rPr lang="hu-HU" smtClean="0"/>
-              <a:t>2016.05.16.</a:t>
+              <a:t>2016.05.20.</a:t>
             </a:fld>
             <a:endParaRPr lang="hu-HU"/>
           </a:p>
@@ -2345,7 +2239,7 @@
           <a:p>
             <a:fld id="{C6E8B002-83F0-41C5-A7B7-2819A96BD9B2}" type="datetimeFigureOut">
               <a:rPr lang="hu-HU" smtClean="0"/>
-              <a:t>2016.05.16.</a:t>
+              <a:t>2016.05.20.</a:t>
             </a:fld>
             <a:endParaRPr lang="hu-HU"/>
           </a:p>
@@ -2577,7 +2471,7 @@
           <a:p>
             <a:fld id="{C6E8B002-83F0-41C5-A7B7-2819A96BD9B2}" type="datetimeFigureOut">
               <a:rPr lang="hu-HU" smtClean="0"/>
-              <a:t>2016.05.16.</a:t>
+              <a:t>2016.05.20.</a:t>
             </a:fld>
             <a:endParaRPr lang="hu-HU"/>
           </a:p>
@@ -2944,7 +2838,7 @@
           <a:p>
             <a:fld id="{C6E8B002-83F0-41C5-A7B7-2819A96BD9B2}" type="datetimeFigureOut">
               <a:rPr lang="hu-HU" smtClean="0"/>
-              <a:t>2016.05.16.</a:t>
+              <a:t>2016.05.20.</a:t>
             </a:fld>
             <a:endParaRPr lang="hu-HU"/>
           </a:p>
@@ -3062,7 +2956,7 @@
           <a:p>
             <a:fld id="{C6E8B002-83F0-41C5-A7B7-2819A96BD9B2}" type="datetimeFigureOut">
               <a:rPr lang="hu-HU" smtClean="0"/>
-              <a:t>2016.05.16.</a:t>
+              <a:t>2016.05.20.</a:t>
             </a:fld>
             <a:endParaRPr lang="hu-HU"/>
           </a:p>
@@ -3157,7 +3051,7 @@
           <a:p>
             <a:fld id="{C6E8B002-83F0-41C5-A7B7-2819A96BD9B2}" type="datetimeFigureOut">
               <a:rPr lang="hu-HU" smtClean="0"/>
-              <a:t>2016.05.16.</a:t>
+              <a:t>2016.05.20.</a:t>
             </a:fld>
             <a:endParaRPr lang="hu-HU"/>
           </a:p>
@@ -3434,7 +3328,7 @@
           <a:p>
             <a:fld id="{C6E8B002-83F0-41C5-A7B7-2819A96BD9B2}" type="datetimeFigureOut">
               <a:rPr lang="hu-HU" smtClean="0"/>
-              <a:t>2016.05.16.</a:t>
+              <a:t>2016.05.20.</a:t>
             </a:fld>
             <a:endParaRPr lang="hu-HU"/>
           </a:p>
@@ -3691,7 +3585,7 @@
           <a:p>
             <a:fld id="{C6E8B002-83F0-41C5-A7B7-2819A96BD9B2}" type="datetimeFigureOut">
               <a:rPr lang="hu-HU" smtClean="0"/>
-              <a:t>2016.05.16.</a:t>
+              <a:t>2016.05.20.</a:t>
             </a:fld>
             <a:endParaRPr lang="hu-HU"/>
           </a:p>
@@ -3911,7 +3805,7 @@
           <a:p>
             <a:fld id="{C6E8B002-83F0-41C5-A7B7-2819A96BD9B2}" type="datetimeFigureOut">
               <a:rPr lang="hu-HU" smtClean="0"/>
-              <a:t>2016.05.16.</a:t>
+              <a:t>2016.05.20.</a:t>
             </a:fld>
             <a:endParaRPr lang="hu-HU"/>
           </a:p>
@@ -4518,7 +4412,7 @@
                             </p:stCondLst>
                             <p:childTnLst>
                               <p:par>
-                                <p:cTn id="5" presetID="26" presetClass="entr" presetSubtype="0" fill="hold" grpId="0" nodeType="clickEffect">
+                                <p:cTn id="5" presetID="42" presetClass="entr" presetSubtype="0" fill="hold" nodeType="clickEffect">
                                   <p:stCondLst>
                                     <p:cond delay="0"/>
                                   </p:stCondLst>
@@ -4526,362 +4420,6 @@
                                     <p:set>
                                       <p:cBhvr>
                                         <p:cTn id="6" dur="1" fill="hold">
-                                          <p:stCondLst>
-                                            <p:cond delay="0"/>
-                                          </p:stCondLst>
-                                        </p:cTn>
-                                        <p:tgtEl>
-                                          <p:spTgt spid="3">
-                                            <p:txEl>
-                                              <p:pRg st="0" end="0"/>
-                                            </p:txEl>
-                                          </p:spTgt>
-                                        </p:tgtEl>
-                                        <p:attrNameLst>
-                                          <p:attrName>style.visibility</p:attrName>
-                                        </p:attrNameLst>
-                                      </p:cBhvr>
-                                      <p:to>
-                                        <p:strVal val="visible"/>
-                                      </p:to>
-                                    </p:set>
-                                    <p:animEffect transition="in" filter="wipe(down)">
-                                      <p:cBhvr>
-                                        <p:cTn id="7" dur="580">
-                                          <p:stCondLst>
-                                            <p:cond delay="0"/>
-                                          </p:stCondLst>
-                                        </p:cTn>
-                                        <p:tgtEl>
-                                          <p:spTgt spid="3">
-                                            <p:txEl>
-                                              <p:pRg st="0" end="0"/>
-                                            </p:txEl>
-                                          </p:spTgt>
-                                        </p:tgtEl>
-                                      </p:cBhvr>
-                                    </p:animEffect>
-                                    <p:anim calcmode="lin" valueType="num">
-                                      <p:cBhvr>
-                                        <p:cTn id="8" dur="1822" tmFilter="0,0; 0.14,0.36; 0.43,0.73; 0.71,0.91; 1.0,1.0">
-                                          <p:stCondLst>
-                                            <p:cond delay="0"/>
-                                          </p:stCondLst>
-                                        </p:cTn>
-                                        <p:tgtEl>
-                                          <p:spTgt spid="3">
-                                            <p:txEl>
-                                              <p:pRg st="0" end="0"/>
-                                            </p:txEl>
-                                          </p:spTgt>
-                                        </p:tgtEl>
-                                        <p:attrNameLst>
-                                          <p:attrName>ppt_x</p:attrName>
-                                        </p:attrNameLst>
-                                      </p:cBhvr>
-                                      <p:tavLst>
-                                        <p:tav tm="0">
-                                          <p:val>
-                                            <p:strVal val="#ppt_x-0.25"/>
-                                          </p:val>
-                                        </p:tav>
-                                        <p:tav tm="100000">
-                                          <p:val>
-                                            <p:strVal val="#ppt_x"/>
-                                          </p:val>
-                                        </p:tav>
-                                      </p:tavLst>
-                                    </p:anim>
-                                    <p:anim calcmode="lin" valueType="num">
-                                      <p:cBhvr>
-                                        <p:cTn id="9" dur="664" tmFilter="0.0,0.0; 0.25,0.07; 0.50,0.2; 0.75,0.467; 1.0,1.0">
-                                          <p:stCondLst>
-                                            <p:cond delay="0"/>
-                                          </p:stCondLst>
-                                        </p:cTn>
-                                        <p:tgtEl>
-                                          <p:spTgt spid="3">
-                                            <p:txEl>
-                                              <p:pRg st="0" end="0"/>
-                                            </p:txEl>
-                                          </p:spTgt>
-                                        </p:tgtEl>
-                                        <p:attrNameLst>
-                                          <p:attrName>ppt_y</p:attrName>
-                                        </p:attrNameLst>
-                                      </p:cBhvr>
-                                      <p:tavLst>
-                                        <p:tav tm="0" fmla="#ppt_y-sin(pi*$)/3">
-                                          <p:val>
-                                            <p:fltVal val="0.5"/>
-                                          </p:val>
-                                        </p:tav>
-                                        <p:tav tm="100000">
-                                          <p:val>
-                                            <p:fltVal val="1"/>
-                                          </p:val>
-                                        </p:tav>
-                                      </p:tavLst>
-                                    </p:anim>
-                                    <p:anim calcmode="lin" valueType="num">
-                                      <p:cBhvr>
-                                        <p:cTn id="10" dur="664" tmFilter="0, 0; 0.125,0.2665; 0.25,0.4; 0.375,0.465; 0.5,0.5;  0.625,0.535; 0.75,0.6; 0.875,0.7335; 1,1">
-                                          <p:stCondLst>
-                                            <p:cond delay="664"/>
-                                          </p:stCondLst>
-                                        </p:cTn>
-                                        <p:tgtEl>
-                                          <p:spTgt spid="3">
-                                            <p:txEl>
-                                              <p:pRg st="0" end="0"/>
-                                            </p:txEl>
-                                          </p:spTgt>
-                                        </p:tgtEl>
-                                        <p:attrNameLst>
-                                          <p:attrName>ppt_y</p:attrName>
-                                        </p:attrNameLst>
-                                      </p:cBhvr>
-                                      <p:tavLst>
-                                        <p:tav tm="0" fmla="#ppt_y-sin(pi*$)/9">
-                                          <p:val>
-                                            <p:fltVal val="0"/>
-                                          </p:val>
-                                        </p:tav>
-                                        <p:tav tm="100000">
-                                          <p:val>
-                                            <p:fltVal val="1"/>
-                                          </p:val>
-                                        </p:tav>
-                                      </p:tavLst>
-                                    </p:anim>
-                                    <p:anim calcmode="lin" valueType="num">
-                                      <p:cBhvr>
-                                        <p:cTn id="11" dur="332" tmFilter="0, 0; 0.125,0.2665; 0.25,0.4; 0.375,0.465; 0.5,0.5;  0.625,0.535; 0.75,0.6; 0.875,0.7335; 1,1">
-                                          <p:stCondLst>
-                                            <p:cond delay="1324"/>
-                                          </p:stCondLst>
-                                        </p:cTn>
-                                        <p:tgtEl>
-                                          <p:spTgt spid="3">
-                                            <p:txEl>
-                                              <p:pRg st="0" end="0"/>
-                                            </p:txEl>
-                                          </p:spTgt>
-                                        </p:tgtEl>
-                                        <p:attrNameLst>
-                                          <p:attrName>ppt_y</p:attrName>
-                                        </p:attrNameLst>
-                                      </p:cBhvr>
-                                      <p:tavLst>
-                                        <p:tav tm="0" fmla="#ppt_y-sin(pi*$)/27">
-                                          <p:val>
-                                            <p:fltVal val="0"/>
-                                          </p:val>
-                                        </p:tav>
-                                        <p:tav tm="100000">
-                                          <p:val>
-                                            <p:fltVal val="1"/>
-                                          </p:val>
-                                        </p:tav>
-                                      </p:tavLst>
-                                    </p:anim>
-                                    <p:anim calcmode="lin" valueType="num">
-                                      <p:cBhvr>
-                                        <p:cTn id="12" dur="164" tmFilter="0, 0; 0.125,0.2665; 0.25,0.4; 0.375,0.465; 0.5,0.5;  0.625,0.535; 0.75,0.6; 0.875,0.7335; 1,1">
-                                          <p:stCondLst>
-                                            <p:cond delay="1656"/>
-                                          </p:stCondLst>
-                                        </p:cTn>
-                                        <p:tgtEl>
-                                          <p:spTgt spid="3">
-                                            <p:txEl>
-                                              <p:pRg st="0" end="0"/>
-                                            </p:txEl>
-                                          </p:spTgt>
-                                        </p:tgtEl>
-                                        <p:attrNameLst>
-                                          <p:attrName>ppt_y</p:attrName>
-                                        </p:attrNameLst>
-                                      </p:cBhvr>
-                                      <p:tavLst>
-                                        <p:tav tm="0" fmla="#ppt_y-sin(pi*$)/81">
-                                          <p:val>
-                                            <p:fltVal val="0"/>
-                                          </p:val>
-                                        </p:tav>
-                                        <p:tav tm="100000">
-                                          <p:val>
-                                            <p:fltVal val="1"/>
-                                          </p:val>
-                                        </p:tav>
-                                      </p:tavLst>
-                                    </p:anim>
-                                    <p:animScale>
-                                      <p:cBhvr>
-                                        <p:cTn id="13" dur="26">
-                                          <p:stCondLst>
-                                            <p:cond delay="650"/>
-                                          </p:stCondLst>
-                                        </p:cTn>
-                                        <p:tgtEl>
-                                          <p:spTgt spid="3">
-                                            <p:txEl>
-                                              <p:pRg st="0" end="0"/>
-                                            </p:txEl>
-                                          </p:spTgt>
-                                        </p:tgtEl>
-                                      </p:cBhvr>
-                                      <p:to x="100000" y="60000"/>
-                                    </p:animScale>
-                                    <p:animScale>
-                                      <p:cBhvr>
-                                        <p:cTn id="14" dur="166" decel="50000">
-                                          <p:stCondLst>
-                                            <p:cond delay="676"/>
-                                          </p:stCondLst>
-                                        </p:cTn>
-                                        <p:tgtEl>
-                                          <p:spTgt spid="3">
-                                            <p:txEl>
-                                              <p:pRg st="0" end="0"/>
-                                            </p:txEl>
-                                          </p:spTgt>
-                                        </p:tgtEl>
-                                      </p:cBhvr>
-                                      <p:to x="100000" y="100000"/>
-                                    </p:animScale>
-                                    <p:animScale>
-                                      <p:cBhvr>
-                                        <p:cTn id="15" dur="26">
-                                          <p:stCondLst>
-                                            <p:cond delay="1312"/>
-                                          </p:stCondLst>
-                                        </p:cTn>
-                                        <p:tgtEl>
-                                          <p:spTgt spid="3">
-                                            <p:txEl>
-                                              <p:pRg st="0" end="0"/>
-                                            </p:txEl>
-                                          </p:spTgt>
-                                        </p:tgtEl>
-                                      </p:cBhvr>
-                                      <p:to x="100000" y="80000"/>
-                                    </p:animScale>
-                                    <p:animScale>
-                                      <p:cBhvr>
-                                        <p:cTn id="16" dur="166" decel="50000">
-                                          <p:stCondLst>
-                                            <p:cond delay="1338"/>
-                                          </p:stCondLst>
-                                        </p:cTn>
-                                        <p:tgtEl>
-                                          <p:spTgt spid="3">
-                                            <p:txEl>
-                                              <p:pRg st="0" end="0"/>
-                                            </p:txEl>
-                                          </p:spTgt>
-                                        </p:tgtEl>
-                                      </p:cBhvr>
-                                      <p:to x="100000" y="100000"/>
-                                    </p:animScale>
-                                    <p:animScale>
-                                      <p:cBhvr>
-                                        <p:cTn id="17" dur="26">
-                                          <p:stCondLst>
-                                            <p:cond delay="1642"/>
-                                          </p:stCondLst>
-                                        </p:cTn>
-                                        <p:tgtEl>
-                                          <p:spTgt spid="3">
-                                            <p:txEl>
-                                              <p:pRg st="0" end="0"/>
-                                            </p:txEl>
-                                          </p:spTgt>
-                                        </p:tgtEl>
-                                      </p:cBhvr>
-                                      <p:to x="100000" y="90000"/>
-                                    </p:animScale>
-                                    <p:animScale>
-                                      <p:cBhvr>
-                                        <p:cTn id="18" dur="166" decel="50000">
-                                          <p:stCondLst>
-                                            <p:cond delay="1668"/>
-                                          </p:stCondLst>
-                                        </p:cTn>
-                                        <p:tgtEl>
-                                          <p:spTgt spid="3">
-                                            <p:txEl>
-                                              <p:pRg st="0" end="0"/>
-                                            </p:txEl>
-                                          </p:spTgt>
-                                        </p:tgtEl>
-                                      </p:cBhvr>
-                                      <p:to x="100000" y="100000"/>
-                                    </p:animScale>
-                                    <p:animScale>
-                                      <p:cBhvr>
-                                        <p:cTn id="19" dur="26">
-                                          <p:stCondLst>
-                                            <p:cond delay="1808"/>
-                                          </p:stCondLst>
-                                        </p:cTn>
-                                        <p:tgtEl>
-                                          <p:spTgt spid="3">
-                                            <p:txEl>
-                                              <p:pRg st="0" end="0"/>
-                                            </p:txEl>
-                                          </p:spTgt>
-                                        </p:tgtEl>
-                                      </p:cBhvr>
-                                      <p:to x="100000" y="95000"/>
-                                    </p:animScale>
-                                    <p:animScale>
-                                      <p:cBhvr>
-                                        <p:cTn id="20" dur="166" decel="50000">
-                                          <p:stCondLst>
-                                            <p:cond delay="1834"/>
-                                          </p:stCondLst>
-                                        </p:cTn>
-                                        <p:tgtEl>
-                                          <p:spTgt spid="3">
-                                            <p:txEl>
-                                              <p:pRg st="0" end="0"/>
-                                            </p:txEl>
-                                          </p:spTgt>
-                                        </p:tgtEl>
-                                      </p:cBhvr>
-                                      <p:to x="100000" y="100000"/>
-                                    </p:animScale>
-                                  </p:childTnLst>
-                                </p:cTn>
-                              </p:par>
-                            </p:childTnLst>
-                          </p:cTn>
-                        </p:par>
-                      </p:childTnLst>
-                    </p:cTn>
-                  </p:par>
-                  <p:par>
-                    <p:cTn id="21" fill="hold">
-                      <p:stCondLst>
-                        <p:cond delay="indefinite"/>
-                      </p:stCondLst>
-                      <p:childTnLst>
-                        <p:par>
-                          <p:cTn id="22" fill="hold">
-                            <p:stCondLst>
-                              <p:cond delay="0"/>
-                            </p:stCondLst>
-                            <p:childTnLst>
-                              <p:par>
-                                <p:cTn id="23" presetID="42" presetClass="entr" presetSubtype="0" fill="hold" nodeType="clickEffect">
-                                  <p:stCondLst>
-                                    <p:cond delay="0"/>
-                                  </p:stCondLst>
-                                  <p:childTnLst>
-                                    <p:set>
-                                      <p:cBhvr>
-                                        <p:cTn id="24" dur="1" fill="hold">
                                           <p:stCondLst>
                                             <p:cond delay="0"/>
                                           </p:stCondLst>
@@ -4899,7 +4437,7 @@
                                     </p:set>
                                     <p:animEffect transition="in" filter="fade">
                                       <p:cBhvr>
-                                        <p:cTn id="25" dur="1000"/>
+                                        <p:cTn id="7" dur="1000"/>
                                         <p:tgtEl>
                                           <p:spTgt spid="6"/>
                                         </p:tgtEl>
@@ -4907,7 +4445,7 @@
                                     </p:animEffect>
                                     <p:anim calcmode="lin" valueType="num">
                                       <p:cBhvr>
-                                        <p:cTn id="26" dur="1000" fill="hold"/>
+                                        <p:cTn id="8" dur="1000" fill="hold"/>
                                         <p:tgtEl>
                                           <p:spTgt spid="6"/>
                                         </p:tgtEl>
@@ -4930,7 +4468,7 @@
                                     </p:anim>
                                     <p:anim calcmode="lin" valueType="num">
                                       <p:cBhvr>
-                                        <p:cTn id="27" dur="1000" fill="hold"/>
+                                        <p:cTn id="9" dur="1000" fill="hold"/>
                                         <p:tgtEl>
                                           <p:spTgt spid="6"/>
                                         </p:tgtEl>
@@ -4981,9 +4519,6 @@
         </p:cTn>
       </p:par>
     </p:tnLst>
-    <p:bldLst>
-      <p:bldP spid="3" grpId="0" build="p"/>
-    </p:bldLst>
   </p:timing>
 </p:sld>
 </file>
@@ -6123,6 +5658,770 @@
       </p:grpSpPr>
       <p:sp>
         <p:nvSpPr>
+          <p:cNvPr id="2" name="Szövegdoboz 1"/>
+          <p:cNvSpPr txBox="1"/>
+          <p:nvPr/>
+        </p:nvSpPr>
+        <p:spPr>
+          <a:xfrm>
+            <a:off x="844062" y="1097280"/>
+            <a:ext cx="5205046" cy="523220"/>
+          </a:xfrm>
+          <a:prstGeom prst="rect">
+            <a:avLst/>
+          </a:prstGeom>
+          <a:noFill/>
+        </p:spPr>
+        <p:txBody>
+          <a:bodyPr wrap="square" rtlCol="0">
+            <a:spAutoFit/>
+          </a:bodyPr>
+          <a:lstStyle/>
+          <a:p>
+            <a:r>
+              <a:rPr lang="hu-HU" sz="2800" dirty="0" smtClean="0"/>
+              <a:t>Kedvenc feladatok</a:t>
+            </a:r>
+            <a:endParaRPr lang="hu-HU" sz="2800" dirty="0"/>
+          </a:p>
+        </p:txBody>
+      </p:sp>
+      <p:pic>
+        <p:nvPicPr>
+          <p:cNvPr id="6" name="Kép 5"/>
+          <p:cNvPicPr>
+            <a:picLocks noChangeAspect="1"/>
+          </p:cNvPicPr>
+          <p:nvPr/>
+        </p:nvPicPr>
+        <p:blipFill>
+          <a:blip r:embed="rId2">
+            <a:extLst>
+              <a:ext uri="{28A0092B-C50C-407E-A947-70E740481C1C}">
+                <a14:useLocalDpi xmlns:a14="http://schemas.microsoft.com/office/drawing/2010/main" val="0"/>
+              </a:ext>
+            </a:extLst>
+          </a:blip>
+          <a:stretch>
+            <a:fillRect/>
+          </a:stretch>
+        </p:blipFill>
+        <p:spPr>
+          <a:xfrm>
+            <a:off x="4667898" y="609940"/>
+            <a:ext cx="2539682" cy="2539682"/>
+          </a:xfrm>
+          <a:prstGeom prst="rect">
+            <a:avLst/>
+          </a:prstGeom>
+          <a:ln>
+            <a:noFill/>
+          </a:ln>
+          <a:effectLst>
+            <a:outerShdw blurRad="184150" dist="241300" dir="11520000" sx="110000" sy="110000" algn="ctr">
+              <a:srgbClr val="000000">
+                <a:alpha val="18000"/>
+              </a:srgbClr>
+            </a:outerShdw>
+          </a:effectLst>
+          <a:scene3d>
+            <a:camera prst="perspectiveFront" fov="5100000">
+              <a:rot lat="0" lon="2100000" rev="0"/>
+            </a:camera>
+            <a:lightRig rig="flood" dir="t">
+              <a:rot lat="0" lon="0" rev="13800000"/>
+            </a:lightRig>
+          </a:scene3d>
+          <a:sp3d extrusionH="107950" prstMaterial="plastic">
+            <a:bevelT w="82550" h="63500" prst="divot"/>
+            <a:bevelB/>
+          </a:sp3d>
+        </p:spPr>
+      </p:pic>
+      <p:pic>
+        <p:nvPicPr>
+          <p:cNvPr id="7" name="Kép 6"/>
+          <p:cNvPicPr>
+            <a:picLocks noChangeAspect="1"/>
+          </p:cNvPicPr>
+          <p:nvPr/>
+        </p:nvPicPr>
+        <p:blipFill>
+          <a:blip r:embed="rId3">
+            <a:extLst>
+              <a:ext uri="{28A0092B-C50C-407E-A947-70E740481C1C}">
+                <a14:useLocalDpi xmlns:a14="http://schemas.microsoft.com/office/drawing/2010/main" val="0"/>
+              </a:ext>
+            </a:extLst>
+          </a:blip>
+          <a:stretch>
+            <a:fillRect/>
+          </a:stretch>
+        </p:blipFill>
+        <p:spPr>
+          <a:xfrm>
+            <a:off x="5353980" y="3149622"/>
+            <a:ext cx="1390255" cy="1390255"/>
+          </a:xfrm>
+          <a:prstGeom prst="rect">
+            <a:avLst/>
+          </a:prstGeom>
+          <a:ln>
+            <a:noFill/>
+          </a:ln>
+          <a:effectLst>
+            <a:outerShdw blurRad="57785" dist="33020" dir="3180000" algn="ctr">
+              <a:srgbClr val="000000">
+                <a:alpha val="30000"/>
+              </a:srgbClr>
+            </a:outerShdw>
+          </a:effectLst>
+          <a:scene3d>
+            <a:camera prst="orthographicFront">
+              <a:rot lat="0" lon="0" rev="0"/>
+            </a:camera>
+            <a:lightRig rig="brightRoom" dir="t">
+              <a:rot lat="0" lon="0" rev="600000"/>
+            </a:lightRig>
+          </a:scene3d>
+          <a:sp3d prstMaterial="metal">
+            <a:bevelT w="38100" h="57150" prst="angle"/>
+          </a:sp3d>
+        </p:spPr>
+      </p:pic>
+      <p:pic>
+        <p:nvPicPr>
+          <p:cNvPr id="8" name="Kép 7"/>
+          <p:cNvPicPr>
+            <a:picLocks noChangeAspect="1"/>
+          </p:cNvPicPr>
+          <p:nvPr/>
+        </p:nvPicPr>
+        <p:blipFill>
+          <a:blip r:embed="rId4">
+            <a:extLst>
+              <a:ext uri="{28A0092B-C50C-407E-A947-70E740481C1C}">
+                <a14:useLocalDpi xmlns:a14="http://schemas.microsoft.com/office/drawing/2010/main" val="0"/>
+              </a:ext>
+            </a:extLst>
+          </a:blip>
+          <a:stretch>
+            <a:fillRect/>
+          </a:stretch>
+        </p:blipFill>
+        <p:spPr>
+          <a:xfrm>
+            <a:off x="103163" y="2586141"/>
+            <a:ext cx="1817046" cy="1817046"/>
+          </a:xfrm>
+          <a:prstGeom prst="rect">
+            <a:avLst/>
+          </a:prstGeom>
+          <a:ln>
+            <a:noFill/>
+          </a:ln>
+          <a:effectLst>
+            <a:outerShdw blurRad="44450" dist="27940" dir="5400000" algn="ctr">
+              <a:srgbClr val="000000">
+                <a:alpha val="32000"/>
+              </a:srgbClr>
+            </a:outerShdw>
+          </a:effectLst>
+          <a:scene3d>
+            <a:camera prst="orthographicFront">
+              <a:rot lat="0" lon="0" rev="0"/>
+            </a:camera>
+            <a:lightRig rig="balanced" dir="t">
+              <a:rot lat="0" lon="0" rev="8700000"/>
+            </a:lightRig>
+          </a:scene3d>
+          <a:sp3d>
+            <a:bevelT w="190500" h="38100"/>
+          </a:sp3d>
+        </p:spPr>
+      </p:pic>
+      <p:pic>
+        <p:nvPicPr>
+          <p:cNvPr id="9" name="Kép 8"/>
+          <p:cNvPicPr>
+            <a:picLocks noChangeAspect="1"/>
+          </p:cNvPicPr>
+          <p:nvPr/>
+        </p:nvPicPr>
+        <p:blipFill>
+          <a:blip r:embed="rId5">
+            <a:extLst>
+              <a:ext uri="{28A0092B-C50C-407E-A947-70E740481C1C}">
+                <a14:useLocalDpi xmlns:a14="http://schemas.microsoft.com/office/drawing/2010/main" val="0"/>
+              </a:ext>
+            </a:extLst>
+          </a:blip>
+          <a:stretch>
+            <a:fillRect/>
+          </a:stretch>
+        </p:blipFill>
+        <p:spPr>
+          <a:xfrm>
+            <a:off x="2770381" y="2477965"/>
+            <a:ext cx="1925222" cy="1925222"/>
+          </a:xfrm>
+          <a:prstGeom prst="rect">
+            <a:avLst/>
+          </a:prstGeom>
+          <a:ln>
+            <a:noFill/>
+          </a:ln>
+          <a:effectLst>
+            <a:outerShdw blurRad="149987" dist="250190" dir="8460000" algn="ctr">
+              <a:srgbClr val="000000">
+                <a:alpha val="28000"/>
+              </a:srgbClr>
+            </a:outerShdw>
+          </a:effectLst>
+          <a:scene3d>
+            <a:camera prst="orthographicFront">
+              <a:rot lat="0" lon="0" rev="0"/>
+            </a:camera>
+            <a:lightRig rig="contrasting" dir="t">
+              <a:rot lat="0" lon="0" rev="1500000"/>
+            </a:lightRig>
+          </a:scene3d>
+          <a:sp3d prstMaterial="metal">
+            <a:bevelT w="88900" h="88900"/>
+          </a:sp3d>
+        </p:spPr>
+      </p:pic>
+      <p:sp>
+        <p:nvSpPr>
+          <p:cNvPr id="10" name="Jobbra nyíl 9"/>
+          <p:cNvSpPr/>
+          <p:nvPr/>
+        </p:nvSpPr>
+        <p:spPr>
+          <a:xfrm>
+            <a:off x="1920209" y="3149622"/>
+            <a:ext cx="850172" cy="695127"/>
+          </a:xfrm>
+          <a:prstGeom prst="rightArrow">
+            <a:avLst/>
+          </a:prstGeom>
+        </p:spPr>
+        <p:style>
+          <a:lnRef idx="2">
+            <a:schemeClr val="accent1">
+              <a:shade val="50000"/>
+            </a:schemeClr>
+          </a:lnRef>
+          <a:fillRef idx="1">
+            <a:schemeClr val="accent1"/>
+          </a:fillRef>
+          <a:effectRef idx="0">
+            <a:schemeClr val="accent1"/>
+          </a:effectRef>
+          <a:fontRef idx="minor">
+            <a:schemeClr val="lt1"/>
+          </a:fontRef>
+        </p:style>
+        <p:txBody>
+          <a:bodyPr rtlCol="0" anchor="ctr"/>
+          <a:lstStyle/>
+          <a:p>
+            <a:pPr algn="ctr"/>
+            <a:endParaRPr lang="hu-HU"/>
+          </a:p>
+        </p:txBody>
+      </p:sp>
+    </p:spTree>
+    <p:extLst>
+      <p:ext uri="{BB962C8B-B14F-4D97-AF65-F5344CB8AC3E}">
+        <p14:creationId xmlns:p14="http://schemas.microsoft.com/office/powerpoint/2010/main" val="41490653"/>
+      </p:ext>
+    </p:extLst>
+  </p:cSld>
+  <p:clrMapOvr>
+    <a:masterClrMapping/>
+  </p:clrMapOvr>
+  <p:timing>
+    <p:tnLst>
+      <p:par>
+        <p:cTn id="1" dur="indefinite" restart="never" nodeType="tmRoot">
+          <p:childTnLst>
+            <p:seq concurrent="1" nextAc="seek">
+              <p:cTn id="2" dur="indefinite" nodeType="mainSeq">
+                <p:childTnLst>
+                  <p:par>
+                    <p:cTn id="3" fill="hold">
+                      <p:stCondLst>
+                        <p:cond delay="indefinite"/>
+                      </p:stCondLst>
+                      <p:childTnLst>
+                        <p:par>
+                          <p:cTn id="4" fill="hold">
+                            <p:stCondLst>
+                              <p:cond delay="0"/>
+                            </p:stCondLst>
+                            <p:childTnLst>
+                              <p:par>
+                                <p:cTn id="5" presetID="10" presetClass="entr" presetSubtype="0" fill="hold" nodeType="clickEffect">
+                                  <p:stCondLst>
+                                    <p:cond delay="0"/>
+                                  </p:stCondLst>
+                                  <p:childTnLst>
+                                    <p:set>
+                                      <p:cBhvr>
+                                        <p:cTn id="6" dur="1" fill="hold">
+                                          <p:stCondLst>
+                                            <p:cond delay="0"/>
+                                          </p:stCondLst>
+                                        </p:cTn>
+                                        <p:tgtEl>
+                                          <p:spTgt spid="6"/>
+                                        </p:tgtEl>
+                                        <p:attrNameLst>
+                                          <p:attrName>style.visibility</p:attrName>
+                                        </p:attrNameLst>
+                                      </p:cBhvr>
+                                      <p:to>
+                                        <p:strVal val="visible"/>
+                                      </p:to>
+                                    </p:set>
+                                    <p:animEffect transition="in" filter="fade">
+                                      <p:cBhvr>
+                                        <p:cTn id="7" dur="500"/>
+                                        <p:tgtEl>
+                                          <p:spTgt spid="6"/>
+                                        </p:tgtEl>
+                                      </p:cBhvr>
+                                    </p:animEffect>
+                                  </p:childTnLst>
+                                </p:cTn>
+                              </p:par>
+                            </p:childTnLst>
+                          </p:cTn>
+                        </p:par>
+                      </p:childTnLst>
+                    </p:cTn>
+                  </p:par>
+                  <p:par>
+                    <p:cTn id="8" fill="hold">
+                      <p:stCondLst>
+                        <p:cond delay="indefinite"/>
+                      </p:stCondLst>
+                      <p:childTnLst>
+                        <p:par>
+                          <p:cTn id="9" fill="hold">
+                            <p:stCondLst>
+                              <p:cond delay="0"/>
+                            </p:stCondLst>
+                            <p:childTnLst>
+                              <p:par>
+                                <p:cTn id="10" presetID="42" presetClass="entr" presetSubtype="0" fill="hold" nodeType="clickEffect">
+                                  <p:stCondLst>
+                                    <p:cond delay="0"/>
+                                  </p:stCondLst>
+                                  <p:childTnLst>
+                                    <p:set>
+                                      <p:cBhvr>
+                                        <p:cTn id="11" dur="1" fill="hold">
+                                          <p:stCondLst>
+                                            <p:cond delay="0"/>
+                                          </p:stCondLst>
+                                        </p:cTn>
+                                        <p:tgtEl>
+                                          <p:spTgt spid="7"/>
+                                        </p:tgtEl>
+                                        <p:attrNameLst>
+                                          <p:attrName>style.visibility</p:attrName>
+                                        </p:attrNameLst>
+                                      </p:cBhvr>
+                                      <p:to>
+                                        <p:strVal val="visible"/>
+                                      </p:to>
+                                    </p:set>
+                                    <p:animEffect transition="in" filter="fade">
+                                      <p:cBhvr>
+                                        <p:cTn id="12" dur="1000"/>
+                                        <p:tgtEl>
+                                          <p:spTgt spid="7"/>
+                                        </p:tgtEl>
+                                      </p:cBhvr>
+                                    </p:animEffect>
+                                    <p:anim calcmode="lin" valueType="num">
+                                      <p:cBhvr>
+                                        <p:cTn id="13" dur="1000" fill="hold"/>
+                                        <p:tgtEl>
+                                          <p:spTgt spid="7"/>
+                                        </p:tgtEl>
+                                        <p:attrNameLst>
+                                          <p:attrName>ppt_x</p:attrName>
+                                        </p:attrNameLst>
+                                      </p:cBhvr>
+                                      <p:tavLst>
+                                        <p:tav tm="0">
+                                          <p:val>
+                                            <p:strVal val="#ppt_x"/>
+                                          </p:val>
+                                        </p:tav>
+                                        <p:tav tm="100000">
+                                          <p:val>
+                                            <p:strVal val="#ppt_x"/>
+                                          </p:val>
+                                        </p:tav>
+                                      </p:tavLst>
+                                    </p:anim>
+                                    <p:anim calcmode="lin" valueType="num">
+                                      <p:cBhvr>
+                                        <p:cTn id="14" dur="1000" fill="hold"/>
+                                        <p:tgtEl>
+                                          <p:spTgt spid="7"/>
+                                        </p:tgtEl>
+                                        <p:attrNameLst>
+                                          <p:attrName>ppt_y</p:attrName>
+                                        </p:attrNameLst>
+                                      </p:cBhvr>
+                                      <p:tavLst>
+                                        <p:tav tm="0">
+                                          <p:val>
+                                            <p:strVal val="#ppt_y+.1"/>
+                                          </p:val>
+                                        </p:tav>
+                                        <p:tav tm="100000">
+                                          <p:val>
+                                            <p:strVal val="#ppt_y"/>
+                                          </p:val>
+                                        </p:tav>
+                                      </p:tavLst>
+                                    </p:anim>
+                                  </p:childTnLst>
+                                </p:cTn>
+                              </p:par>
+                            </p:childTnLst>
+                          </p:cTn>
+                        </p:par>
+                      </p:childTnLst>
+                    </p:cTn>
+                  </p:par>
+                  <p:par>
+                    <p:cTn id="15" fill="hold">
+                      <p:stCondLst>
+                        <p:cond delay="indefinite"/>
+                      </p:stCondLst>
+                      <p:childTnLst>
+                        <p:par>
+                          <p:cTn id="16" fill="hold">
+                            <p:stCondLst>
+                              <p:cond delay="0"/>
+                            </p:stCondLst>
+                            <p:childTnLst>
+                              <p:par>
+                                <p:cTn id="17" presetID="45" presetClass="entr" presetSubtype="0" fill="hold" nodeType="clickEffect">
+                                  <p:stCondLst>
+                                    <p:cond delay="0"/>
+                                  </p:stCondLst>
+                                  <p:childTnLst>
+                                    <p:set>
+                                      <p:cBhvr>
+                                        <p:cTn id="18" dur="1" fill="hold">
+                                          <p:stCondLst>
+                                            <p:cond delay="0"/>
+                                          </p:stCondLst>
+                                        </p:cTn>
+                                        <p:tgtEl>
+                                          <p:spTgt spid="8"/>
+                                        </p:tgtEl>
+                                        <p:attrNameLst>
+                                          <p:attrName>style.visibility</p:attrName>
+                                        </p:attrNameLst>
+                                      </p:cBhvr>
+                                      <p:to>
+                                        <p:strVal val="visible"/>
+                                      </p:to>
+                                    </p:set>
+                                    <p:animEffect transition="in" filter="fade">
+                                      <p:cBhvr>
+                                        <p:cTn id="19" dur="2000"/>
+                                        <p:tgtEl>
+                                          <p:spTgt spid="8"/>
+                                        </p:tgtEl>
+                                      </p:cBhvr>
+                                    </p:animEffect>
+                                    <p:anim calcmode="lin" valueType="num">
+                                      <p:cBhvr>
+                                        <p:cTn id="20" dur="2000" fill="hold"/>
+                                        <p:tgtEl>
+                                          <p:spTgt spid="8"/>
+                                        </p:tgtEl>
+                                        <p:attrNameLst>
+                                          <p:attrName>ppt_w</p:attrName>
+                                        </p:attrNameLst>
+                                      </p:cBhvr>
+                                      <p:tavLst>
+                                        <p:tav tm="0" fmla="#ppt_w*sin(2.5*pi*$)">
+                                          <p:val>
+                                            <p:fltVal val="0"/>
+                                          </p:val>
+                                        </p:tav>
+                                        <p:tav tm="100000">
+                                          <p:val>
+                                            <p:fltVal val="1"/>
+                                          </p:val>
+                                        </p:tav>
+                                      </p:tavLst>
+                                    </p:anim>
+                                    <p:anim calcmode="lin" valueType="num">
+                                      <p:cBhvr>
+                                        <p:cTn id="21" dur="2000" fill="hold"/>
+                                        <p:tgtEl>
+                                          <p:spTgt spid="8"/>
+                                        </p:tgtEl>
+                                        <p:attrNameLst>
+                                          <p:attrName>ppt_h</p:attrName>
+                                        </p:attrNameLst>
+                                      </p:cBhvr>
+                                      <p:tavLst>
+                                        <p:tav tm="0">
+                                          <p:val>
+                                            <p:strVal val="#ppt_h"/>
+                                          </p:val>
+                                        </p:tav>
+                                        <p:tav tm="100000">
+                                          <p:val>
+                                            <p:strVal val="#ppt_h"/>
+                                          </p:val>
+                                        </p:tav>
+                                      </p:tavLst>
+                                    </p:anim>
+                                  </p:childTnLst>
+                                </p:cTn>
+                              </p:par>
+                            </p:childTnLst>
+                          </p:cTn>
+                        </p:par>
+                      </p:childTnLst>
+                    </p:cTn>
+                  </p:par>
+                  <p:par>
+                    <p:cTn id="22" fill="hold">
+                      <p:stCondLst>
+                        <p:cond delay="indefinite"/>
+                      </p:stCondLst>
+                      <p:childTnLst>
+                        <p:par>
+                          <p:cTn id="23" fill="hold">
+                            <p:stCondLst>
+                              <p:cond delay="0"/>
+                            </p:stCondLst>
+                            <p:childTnLst>
+                              <p:par>
+                                <p:cTn id="24" presetID="6" presetClass="entr" presetSubtype="16" fill="hold" grpId="0" nodeType="clickEffect">
+                                  <p:stCondLst>
+                                    <p:cond delay="0"/>
+                                  </p:stCondLst>
+                                  <p:childTnLst>
+                                    <p:set>
+                                      <p:cBhvr>
+                                        <p:cTn id="25" dur="1" fill="hold">
+                                          <p:stCondLst>
+                                            <p:cond delay="0"/>
+                                          </p:stCondLst>
+                                        </p:cTn>
+                                        <p:tgtEl>
+                                          <p:spTgt spid="10"/>
+                                        </p:tgtEl>
+                                        <p:attrNameLst>
+                                          <p:attrName>style.visibility</p:attrName>
+                                        </p:attrNameLst>
+                                      </p:cBhvr>
+                                      <p:to>
+                                        <p:strVal val="visible"/>
+                                      </p:to>
+                                    </p:set>
+                                    <p:animEffect transition="in" filter="circle(in)">
+                                      <p:cBhvr>
+                                        <p:cTn id="26" dur="2000"/>
+                                        <p:tgtEl>
+                                          <p:spTgt spid="10"/>
+                                        </p:tgtEl>
+                                      </p:cBhvr>
+                                    </p:animEffect>
+                                  </p:childTnLst>
+                                </p:cTn>
+                              </p:par>
+                            </p:childTnLst>
+                          </p:cTn>
+                        </p:par>
+                      </p:childTnLst>
+                    </p:cTn>
+                  </p:par>
+                  <p:par>
+                    <p:cTn id="27" fill="hold">
+                      <p:stCondLst>
+                        <p:cond delay="indefinite"/>
+                      </p:stCondLst>
+                      <p:childTnLst>
+                        <p:par>
+                          <p:cTn id="28" fill="hold">
+                            <p:stCondLst>
+                              <p:cond delay="0"/>
+                            </p:stCondLst>
+                            <p:childTnLst>
+                              <p:par>
+                                <p:cTn id="29" presetID="31" presetClass="entr" presetSubtype="0" fill="hold" nodeType="clickEffect">
+                                  <p:stCondLst>
+                                    <p:cond delay="0"/>
+                                  </p:stCondLst>
+                                  <p:childTnLst>
+                                    <p:set>
+                                      <p:cBhvr>
+                                        <p:cTn id="30" dur="1" fill="hold">
+                                          <p:stCondLst>
+                                            <p:cond delay="0"/>
+                                          </p:stCondLst>
+                                        </p:cTn>
+                                        <p:tgtEl>
+                                          <p:spTgt spid="9"/>
+                                        </p:tgtEl>
+                                        <p:attrNameLst>
+                                          <p:attrName>style.visibility</p:attrName>
+                                        </p:attrNameLst>
+                                      </p:cBhvr>
+                                      <p:to>
+                                        <p:strVal val="visible"/>
+                                      </p:to>
+                                    </p:set>
+                                    <p:anim calcmode="lin" valueType="num">
+                                      <p:cBhvr>
+                                        <p:cTn id="31" dur="1000" fill="hold"/>
+                                        <p:tgtEl>
+                                          <p:spTgt spid="9"/>
+                                        </p:tgtEl>
+                                        <p:attrNameLst>
+                                          <p:attrName>ppt_w</p:attrName>
+                                        </p:attrNameLst>
+                                      </p:cBhvr>
+                                      <p:tavLst>
+                                        <p:tav tm="0">
+                                          <p:val>
+                                            <p:fltVal val="0"/>
+                                          </p:val>
+                                        </p:tav>
+                                        <p:tav tm="100000">
+                                          <p:val>
+                                            <p:strVal val="#ppt_w"/>
+                                          </p:val>
+                                        </p:tav>
+                                      </p:tavLst>
+                                    </p:anim>
+                                    <p:anim calcmode="lin" valueType="num">
+                                      <p:cBhvr>
+                                        <p:cTn id="32" dur="1000" fill="hold"/>
+                                        <p:tgtEl>
+                                          <p:spTgt spid="9"/>
+                                        </p:tgtEl>
+                                        <p:attrNameLst>
+                                          <p:attrName>ppt_h</p:attrName>
+                                        </p:attrNameLst>
+                                      </p:cBhvr>
+                                      <p:tavLst>
+                                        <p:tav tm="0">
+                                          <p:val>
+                                            <p:fltVal val="0"/>
+                                          </p:val>
+                                        </p:tav>
+                                        <p:tav tm="100000">
+                                          <p:val>
+                                            <p:strVal val="#ppt_h"/>
+                                          </p:val>
+                                        </p:tav>
+                                      </p:tavLst>
+                                    </p:anim>
+                                    <p:anim calcmode="lin" valueType="num">
+                                      <p:cBhvr>
+                                        <p:cTn id="33" dur="1000" fill="hold"/>
+                                        <p:tgtEl>
+                                          <p:spTgt spid="9"/>
+                                        </p:tgtEl>
+                                        <p:attrNameLst>
+                                          <p:attrName>style.rotation</p:attrName>
+                                        </p:attrNameLst>
+                                      </p:cBhvr>
+                                      <p:tavLst>
+                                        <p:tav tm="0">
+                                          <p:val>
+                                            <p:fltVal val="90"/>
+                                          </p:val>
+                                        </p:tav>
+                                        <p:tav tm="100000">
+                                          <p:val>
+                                            <p:fltVal val="0"/>
+                                          </p:val>
+                                        </p:tav>
+                                      </p:tavLst>
+                                    </p:anim>
+                                    <p:animEffect transition="in" filter="fade">
+                                      <p:cBhvr>
+                                        <p:cTn id="34" dur="1000"/>
+                                        <p:tgtEl>
+                                          <p:spTgt spid="9"/>
+                                        </p:tgtEl>
+                                      </p:cBhvr>
+                                    </p:animEffect>
+                                  </p:childTnLst>
+                                </p:cTn>
+                              </p:par>
+                            </p:childTnLst>
+                          </p:cTn>
+                        </p:par>
+                      </p:childTnLst>
+                    </p:cTn>
+                  </p:par>
+                </p:childTnLst>
+              </p:cTn>
+              <p:prevCondLst>
+                <p:cond evt="onPrev" delay="0">
+                  <p:tgtEl>
+                    <p:sldTgt/>
+                  </p:tgtEl>
+                </p:cond>
+              </p:prevCondLst>
+              <p:nextCondLst>
+                <p:cond evt="onNext" delay="0">
+                  <p:tgtEl>
+                    <p:sldTgt/>
+                  </p:tgtEl>
+                </p:cond>
+              </p:nextCondLst>
+            </p:seq>
+          </p:childTnLst>
+        </p:cTn>
+      </p:par>
+    </p:tnLst>
+    <p:bldLst>
+      <p:bldP spid="10" grpId="0" animBg="1"/>
+    </p:bldLst>
+  </p:timing>
+</p:sld>
+</file>
+
+<file path=ppt/slides/slide5.xml><?xml version="1.0" encoding="utf-8"?>
+<p:sld xmlns:a="http://schemas.openxmlformats.org/drawingml/2006/main" xmlns:r="http://schemas.openxmlformats.org/officeDocument/2006/relationships" xmlns:p="http://schemas.openxmlformats.org/presentationml/2006/main">
+  <p:cSld>
+    <p:spTree>
+      <p:nvGrpSpPr>
+        <p:cNvPr id="1" name=""/>
+        <p:cNvGrpSpPr/>
+        <p:nvPr/>
+      </p:nvGrpSpPr>
+      <p:grpSpPr>
+        <a:xfrm>
+          <a:off x="0" y="0"/>
+          <a:ext cx="0" cy="0"/>
+          <a:chOff x="0" y="0"/>
+          <a:chExt cx="0" cy="0"/>
+        </a:xfrm>
+      </p:grpSpPr>
+      <p:sp>
+        <p:nvSpPr>
           <p:cNvPr id="2" name="Cím 1"/>
           <p:cNvSpPr>
             <a:spLocks noGrp="1"/>
@@ -6198,7 +6497,7 @@
         <p:spPr>
           <a:xfrm>
             <a:off x="238898" y="1688358"/>
-            <a:ext cx="5381973" cy="3139321"/>
+            <a:ext cx="5381973" cy="2031325"/>
           </a:xfrm>
           <a:prstGeom prst="rect">
             <a:avLst/>
@@ -6261,72 +6560,44 @@
               <a:rPr lang="hu-HU" dirty="0" smtClean="0">
                 <a:latin typeface="Adobe Garamond Pro Bold" panose="02020702060506020403" pitchFamily="18" charset="-18"/>
               </a:rPr>
-              <a:t>Új technológiák tanulása, alkalmazása</a:t>
-            </a:r>
+              <a:t>Új </a:t>
+            </a:r>
+            <a:r>
+              <a:rPr lang="hu-HU" dirty="0" smtClean="0">
+                <a:latin typeface="Adobe Garamond Pro Bold" panose="02020702060506020403" pitchFamily="18" charset="-18"/>
+              </a:rPr>
+              <a:t>technológiák </a:t>
+            </a:r>
+            <a:r>
+              <a:rPr lang="hu-HU" dirty="0" smtClean="0">
+                <a:latin typeface="Adobe Garamond Pro Bold" panose="02020702060506020403" pitchFamily="18" charset="-18"/>
+              </a:rPr>
+              <a:t>alkalmazása</a:t>
+            </a:r>
+          </a:p>
+          <a:p>
+            <a:endParaRPr lang="hu-HU" dirty="0">
+              <a:latin typeface="Adobe Garamond Pro Bold" panose="02020702060506020403" pitchFamily="18" charset="-18"/>
+            </a:endParaRPr>
           </a:p>
           <a:p>
             <a:pPr marL="285750" indent="-285750">
               <a:buFontTx/>
               <a:buChar char="-"/>
             </a:pPr>
-            <a:endParaRPr lang="hu-HU" dirty="0">
-              <a:latin typeface="Adobe Garamond Pro Bold" panose="02020702060506020403" pitchFamily="18" charset="-18"/>
-            </a:endParaRPr>
-          </a:p>
-          <a:p>
-            <a:pPr marL="285750" indent="-285750">
-              <a:buFontTx/>
-              <a:buChar char="-"/>
-            </a:pPr>
             <a:r>
               <a:rPr lang="hu-HU" dirty="0" smtClean="0">
                 <a:latin typeface="Adobe Garamond Pro Bold" panose="02020702060506020403" pitchFamily="18" charset="-18"/>
               </a:rPr>
-              <a:t>Idő beosztása</a:t>
-            </a:r>
-          </a:p>
-          <a:p>
-            <a:pPr marL="285750" indent="-285750">
-              <a:buFontTx/>
-              <a:buChar char="-"/>
-            </a:pPr>
-            <a:endParaRPr lang="hu-HU" dirty="0">
-              <a:latin typeface="Adobe Garamond Pro Bold" panose="02020702060506020403" pitchFamily="18" charset="-18"/>
-            </a:endParaRPr>
-          </a:p>
-          <a:p>
-            <a:pPr marL="285750" indent="-285750">
-              <a:buFontTx/>
-              <a:buChar char="-"/>
-            </a:pPr>
+              <a:t>Projektmunka </a:t>
+            </a:r>
             <a:r>
               <a:rPr lang="hu-HU" dirty="0" smtClean="0">
                 <a:latin typeface="Adobe Garamond Pro Bold" panose="02020702060506020403" pitchFamily="18" charset="-18"/>
               </a:rPr>
-              <a:t>Projektmunka újdonsága</a:t>
-            </a:r>
-          </a:p>
-          <a:p>
-            <a:pPr marL="285750" indent="-285750">
-              <a:buFontTx/>
-              <a:buChar char="-"/>
-            </a:pPr>
-            <a:endParaRPr lang="hu-HU" dirty="0">
-              <a:latin typeface="Adobe Garamond Pro Bold" panose="02020702060506020403" pitchFamily="18" charset="-18"/>
-            </a:endParaRPr>
-          </a:p>
-          <a:p>
-            <a:pPr marL="285750" indent="-285750">
-              <a:buFontTx/>
-              <a:buChar char="-"/>
-            </a:pPr>
-            <a:r>
-              <a:rPr lang="hu-HU" dirty="0" smtClean="0">
-                <a:latin typeface="Adobe Garamond Pro Bold" panose="02020702060506020403" pitchFamily="18" charset="-18"/>
-              </a:rPr>
-              <a:t>Csapat összehangolása</a:t>
-            </a:r>
-            <a:endParaRPr lang="hu-HU" dirty="0">
+              <a:t>újdonsága</a:t>
+            </a:r>
+            <a:endParaRPr lang="hu-HU" dirty="0" smtClean="0">
               <a:latin typeface="Adobe Garamond Pro Bold" panose="02020702060506020403" pitchFamily="18" charset="-18"/>
             </a:endParaRPr>
           </a:p>
@@ -6479,7 +6750,7 @@
 </p:sld>
 </file>
 
-<file path=ppt/slides/slide5.xml><?xml version="1.0" encoding="utf-8"?>
+<file path=ppt/slides/slide6.xml><?xml version="1.0" encoding="utf-8"?>
 <p:sld xmlns:a="http://schemas.openxmlformats.org/drawingml/2006/main" xmlns:r="http://schemas.openxmlformats.org/officeDocument/2006/relationships" xmlns:p="http://schemas.openxmlformats.org/presentationml/2006/main">
   <p:cSld>
     <p:spTree>
@@ -6802,7 +7073,7 @@
 </p:sld>
 </file>
 
-<file path=ppt/slides/slide6.xml><?xml version="1.0" encoding="utf-8"?>
+<file path=ppt/slides/slide7.xml><?xml version="1.0" encoding="utf-8"?>
 <p:sld xmlns:a="http://schemas.openxmlformats.org/drawingml/2006/main" xmlns:r="http://schemas.openxmlformats.org/officeDocument/2006/relationships" xmlns:p="http://schemas.openxmlformats.org/presentationml/2006/main">
   <p:cSld>
     <p:spTree>
@@ -7149,7 +7420,7 @@
 </p:sld>
 </file>
 
-<file path=ppt/slides/slide7.xml><?xml version="1.0" encoding="utf-8"?>
+<file path=ppt/slides/slide8.xml><?xml version="1.0" encoding="utf-8"?>
 <p:sld xmlns:a="http://schemas.openxmlformats.org/drawingml/2006/main" xmlns:r="http://schemas.openxmlformats.org/officeDocument/2006/relationships" xmlns:p="http://schemas.openxmlformats.org/presentationml/2006/main">
   <p:cSld>
     <p:spTree>
@@ -7218,28 +7489,22 @@
           </a:bodyPr>
           <a:lstStyle/>
           <a:p>
-            <a:r>
-              <a:rPr lang="hu-HU" dirty="0" smtClean="0">
-                <a:latin typeface="Adobe Garamond Pro Bold" panose="02020702060506020403" pitchFamily="18" charset="-18"/>
-              </a:rPr>
-              <a:t>Projektmunka vége</a:t>
-            </a:r>
             <a:endParaRPr lang="hu-HU" dirty="0">
-              <a:latin typeface="Adobe Garamond Pro Bold" panose="02020702060506020403" pitchFamily="18" charset="-18"/>
+              <a:latin typeface="+mj-lt"/>
             </a:endParaRPr>
           </a:p>
         </p:txBody>
       </p:sp>
       <p:sp>
         <p:nvSpPr>
-          <p:cNvPr id="5" name="Szövegdoboz 4"/>
+          <p:cNvPr id="8" name="Szövegdoboz 7"/>
           <p:cNvSpPr txBox="1"/>
           <p:nvPr/>
         </p:nvSpPr>
         <p:spPr>
           <a:xfrm>
-            <a:off x="238898" y="1688358"/>
-            <a:ext cx="4262718" cy="1477328"/>
+            <a:off x="238898" y="2286000"/>
+            <a:ext cx="5449208" cy="1569660"/>
           </a:xfrm>
           <a:prstGeom prst="rect">
             <a:avLst/>
@@ -7252,67 +7517,38 @@
           </a:bodyPr>
           <a:lstStyle/>
           <a:p>
-            <a:pPr marL="285750" indent="-285750">
-              <a:buFontTx/>
-              <a:buChar char="-"/>
-            </a:pPr>
-            <a:r>
-              <a:rPr lang="hu-HU" dirty="0" smtClean="0">
+            <a:r>
+              <a:rPr lang="hu-HU" sz="2400" dirty="0" smtClean="0">
                 <a:latin typeface="Adobe Garamond Pro Bold" panose="02020702060506020403" pitchFamily="18" charset="-18"/>
               </a:rPr>
-              <a:t>Közel 100%-os teljesítés</a:t>
-            </a:r>
-          </a:p>
-          <a:p>
-            <a:pPr marL="285750" indent="-285750">
-              <a:buFontTx/>
-              <a:buChar char="-"/>
-            </a:pPr>
-            <a:endParaRPr lang="hu-HU" dirty="0">
+              <a:t>Köszönet mindenkinek, aki </a:t>
+            </a:r>
+            <a:endParaRPr lang="hu-HU" sz="2400" dirty="0" smtClean="0">
               <a:latin typeface="Adobe Garamond Pro Bold" panose="02020702060506020403" pitchFamily="18" charset="-18"/>
             </a:endParaRPr>
           </a:p>
           <a:p>
-            <a:pPr marL="285750" indent="-285750">
-              <a:buFontTx/>
-              <a:buChar char="-"/>
-            </a:pPr>
-            <a:r>
-              <a:rPr lang="hu-HU" dirty="0" smtClean="0">
+            <a:r>
+              <a:rPr lang="hu-HU" sz="2400" dirty="0" smtClean="0">
                 <a:latin typeface="Adobe Garamond Pro Bold" panose="02020702060506020403" pitchFamily="18" charset="-18"/>
               </a:rPr>
-              <a:t>Kezdetnek egész jó!</a:t>
-            </a:r>
-          </a:p>
-          <a:p>
-            <a:pPr marL="285750" indent="-285750">
-              <a:buFontTx/>
-              <a:buChar char="-"/>
-            </a:pPr>
-            <a:endParaRPr lang="hu-HU" dirty="0">
+              <a:t>közvetlen</a:t>
+            </a:r>
+            <a:r>
+              <a:rPr lang="hu-HU" sz="2400" dirty="0" smtClean="0">
+                <a:latin typeface="Adobe Garamond Pro Bold" panose="02020702060506020403" pitchFamily="18" charset="-18"/>
+              </a:rPr>
+              <a:t>, vagy közvetett módon hozzájárult a képzés sikerességéhez, megszervezéséhez!</a:t>
+            </a:r>
+            <a:endParaRPr lang="hu-HU" sz="2400" dirty="0">
               <a:latin typeface="Adobe Garamond Pro Bold" panose="02020702060506020403" pitchFamily="18" charset="-18"/>
             </a:endParaRPr>
           </a:p>
-          <a:p>
-            <a:pPr marL="285750" indent="-285750">
-              <a:buFontTx/>
-              <a:buChar char="-"/>
-            </a:pPr>
-            <a:r>
-              <a:rPr lang="hu-HU" dirty="0" smtClean="0">
-                <a:latin typeface="Adobe Garamond Pro Bold" panose="02020702060506020403" pitchFamily="18" charset="-18"/>
-              </a:rPr>
-              <a:t>Csiszolnivaló azért akad </a:t>
-            </a:r>
-            <a:endParaRPr lang="hu-HU" dirty="0">
-              <a:latin typeface="Adobe Garamond Pro Bold" panose="02020702060506020403" pitchFamily="18" charset="-18"/>
-            </a:endParaRPr>
-          </a:p>
         </p:txBody>
       </p:sp>
       <p:pic>
         <p:nvPicPr>
-          <p:cNvPr id="6" name="Kép 5"/>
+          <p:cNvPr id="4" name="Kép 3"/>
           <p:cNvPicPr>
             <a:picLocks noChangeAspect="1"/>
           </p:cNvPicPr>
@@ -7332,255 +7568,8 @@
         </p:blipFill>
         <p:spPr>
           <a:xfrm>
-            <a:off x="6858000" y="3008780"/>
-            <a:ext cx="2286000" cy="1943100"/>
-          </a:xfrm>
-          <a:prstGeom prst="rect">
-            <a:avLst/>
-          </a:prstGeom>
-        </p:spPr>
-      </p:pic>
-    </p:spTree>
-    <p:extLst>
-      <p:ext uri="{BB962C8B-B14F-4D97-AF65-F5344CB8AC3E}">
-        <p14:creationId xmlns:p14="http://schemas.microsoft.com/office/powerpoint/2010/main" val="3066827731"/>
-      </p:ext>
-    </p:extLst>
-  </p:cSld>
-  <p:clrMapOvr>
-    <a:masterClrMapping/>
-  </p:clrMapOvr>
-  <p:timing>
-    <p:tnLst>
-      <p:par>
-        <p:cTn id="1" dur="indefinite" restart="never" nodeType="tmRoot">
-          <p:childTnLst>
-            <p:seq concurrent="1" nextAc="seek">
-              <p:cTn id="2" dur="indefinite" nodeType="mainSeq">
-                <p:childTnLst>
-                  <p:par>
-                    <p:cTn id="3" fill="hold">
-                      <p:stCondLst>
-                        <p:cond delay="indefinite"/>
-                      </p:stCondLst>
-                      <p:childTnLst>
-                        <p:par>
-                          <p:cTn id="4" fill="hold">
-                            <p:stCondLst>
-                              <p:cond delay="0"/>
-                            </p:stCondLst>
-                            <p:childTnLst>
-                              <p:par>
-                                <p:cTn id="5" presetID="45" presetClass="entr" presetSubtype="0" fill="hold" nodeType="clickEffect">
-                                  <p:stCondLst>
-                                    <p:cond delay="0"/>
-                                  </p:stCondLst>
-                                  <p:childTnLst>
-                                    <p:set>
-                                      <p:cBhvr>
-                                        <p:cTn id="6" dur="1" fill="hold">
-                                          <p:stCondLst>
-                                            <p:cond delay="0"/>
-                                          </p:stCondLst>
-                                        </p:cTn>
-                                        <p:tgtEl>
-                                          <p:spTgt spid="6"/>
-                                        </p:tgtEl>
-                                        <p:attrNameLst>
-                                          <p:attrName>style.visibility</p:attrName>
-                                        </p:attrNameLst>
-                                      </p:cBhvr>
-                                      <p:to>
-                                        <p:strVal val="visible"/>
-                                      </p:to>
-                                    </p:set>
-                                    <p:animEffect transition="in" filter="fade">
-                                      <p:cBhvr>
-                                        <p:cTn id="7" dur="2000"/>
-                                        <p:tgtEl>
-                                          <p:spTgt spid="6"/>
-                                        </p:tgtEl>
-                                      </p:cBhvr>
-                                    </p:animEffect>
-                                    <p:anim calcmode="lin" valueType="num">
-                                      <p:cBhvr>
-                                        <p:cTn id="8" dur="2000" fill="hold"/>
-                                        <p:tgtEl>
-                                          <p:spTgt spid="6"/>
-                                        </p:tgtEl>
-                                        <p:attrNameLst>
-                                          <p:attrName>ppt_w</p:attrName>
-                                        </p:attrNameLst>
-                                      </p:cBhvr>
-                                      <p:tavLst>
-                                        <p:tav tm="0" fmla="#ppt_w*sin(2.5*pi*$)">
-                                          <p:val>
-                                            <p:fltVal val="0"/>
-                                          </p:val>
-                                        </p:tav>
-                                        <p:tav tm="100000">
-                                          <p:val>
-                                            <p:fltVal val="1"/>
-                                          </p:val>
-                                        </p:tav>
-                                      </p:tavLst>
-                                    </p:anim>
-                                    <p:anim calcmode="lin" valueType="num">
-                                      <p:cBhvr>
-                                        <p:cTn id="9" dur="2000" fill="hold"/>
-                                        <p:tgtEl>
-                                          <p:spTgt spid="6"/>
-                                        </p:tgtEl>
-                                        <p:attrNameLst>
-                                          <p:attrName>ppt_h</p:attrName>
-                                        </p:attrNameLst>
-                                      </p:cBhvr>
-                                      <p:tavLst>
-                                        <p:tav tm="0">
-                                          <p:val>
-                                            <p:strVal val="#ppt_h"/>
-                                          </p:val>
-                                        </p:tav>
-                                        <p:tav tm="100000">
-                                          <p:val>
-                                            <p:strVal val="#ppt_h"/>
-                                          </p:val>
-                                        </p:tav>
-                                      </p:tavLst>
-                                    </p:anim>
-                                  </p:childTnLst>
-                                </p:cTn>
-                              </p:par>
-                            </p:childTnLst>
-                          </p:cTn>
-                        </p:par>
-                      </p:childTnLst>
-                    </p:cTn>
-                  </p:par>
-                </p:childTnLst>
-              </p:cTn>
-              <p:prevCondLst>
-                <p:cond evt="onPrev" delay="0">
-                  <p:tgtEl>
-                    <p:sldTgt/>
-                  </p:tgtEl>
-                </p:cond>
-              </p:prevCondLst>
-              <p:nextCondLst>
-                <p:cond evt="onNext" delay="0">
-                  <p:tgtEl>
-                    <p:sldTgt/>
-                  </p:tgtEl>
-                </p:cond>
-              </p:nextCondLst>
-            </p:seq>
-          </p:childTnLst>
-        </p:cTn>
-      </p:par>
-    </p:tnLst>
-  </p:timing>
-</p:sld>
-</file>
-
-<file path=ppt/slides/slide8.xml><?xml version="1.0" encoding="utf-8"?>
-<p:sld xmlns:a="http://schemas.openxmlformats.org/drawingml/2006/main" xmlns:r="http://schemas.openxmlformats.org/officeDocument/2006/relationships" xmlns:p="http://schemas.openxmlformats.org/presentationml/2006/main">
-  <p:cSld>
-    <p:spTree>
-      <p:nvGrpSpPr>
-        <p:cNvPr id="1" name=""/>
-        <p:cNvGrpSpPr/>
-        <p:nvPr/>
-      </p:nvGrpSpPr>
-      <p:grpSpPr>
-        <a:xfrm>
-          <a:off x="0" y="0"/>
-          <a:ext cx="0" cy="0"/>
-          <a:chOff x="0" y="0"/>
-          <a:chExt cx="0" cy="0"/>
-        </a:xfrm>
-      </p:grpSpPr>
-      <p:sp>
-        <p:nvSpPr>
-          <p:cNvPr id="2" name="Cím 1"/>
-          <p:cNvSpPr>
-            <a:spLocks noGrp="1"/>
-          </p:cNvSpPr>
-          <p:nvPr>
-            <p:ph type="ctrTitle"/>
-          </p:nvPr>
-        </p:nvSpPr>
-        <p:spPr>
-          <a:xfrm>
-            <a:off x="7521394" y="67963"/>
-            <a:ext cx="1548465" cy="583469"/>
-          </a:xfrm>
-        </p:spPr>
-        <p:txBody>
-          <a:bodyPr>
-            <a:normAutofit/>
-          </a:bodyPr>
-          <a:lstStyle/>
-          <a:p>
-            <a:r>
-              <a:rPr lang="hu-HU" sz="1000" cap="all" dirty="0"/>
-              <a:t>SCHÖNHERZ AKADÉMIA KÉPZÉS TÁMOGATÓ SZOFTVER</a:t>
-            </a:r>
-            <a:endParaRPr lang="hu-HU" sz="1000" dirty="0"/>
-          </a:p>
-        </p:txBody>
-      </p:sp>
-      <p:sp>
-        <p:nvSpPr>
-          <p:cNvPr id="3" name="Alcím 2"/>
-          <p:cNvSpPr>
-            <a:spLocks noGrp="1"/>
-          </p:cNvSpPr>
-          <p:nvPr>
-            <p:ph type="subTitle" idx="1"/>
-          </p:nvPr>
-        </p:nvSpPr>
-        <p:spPr>
-          <a:xfrm>
-            <a:off x="238898" y="858795"/>
-            <a:ext cx="3814688" cy="434696"/>
-          </a:xfrm>
-        </p:spPr>
-        <p:txBody>
-          <a:bodyPr>
-            <a:normAutofit/>
-          </a:bodyPr>
-          <a:lstStyle/>
-          <a:p>
-            <a:endParaRPr lang="hu-HU" dirty="0">
-              <a:latin typeface="+mj-lt"/>
-            </a:endParaRPr>
-          </a:p>
-        </p:txBody>
-      </p:sp>
-      <p:pic>
-        <p:nvPicPr>
-          <p:cNvPr id="7" name="Kép 6"/>
-          <p:cNvPicPr>
-            <a:picLocks noChangeAspect="1"/>
-          </p:cNvPicPr>
-          <p:nvPr/>
-        </p:nvPicPr>
-        <p:blipFill>
-          <a:blip r:embed="rId3">
-            <a:extLst>
-              <a:ext uri="{28A0092B-C50C-407E-A947-70E740481C1C}">
-                <a14:useLocalDpi xmlns:a14="http://schemas.microsoft.com/office/drawing/2010/main" val="0"/>
-              </a:ext>
-            </a:extLst>
-          </a:blip>
-          <a:stretch>
-            <a:fillRect/>
-          </a:stretch>
-        </p:blipFill>
-        <p:spPr>
-          <a:xfrm>
-            <a:off x="6028199" y="1293491"/>
-            <a:ext cx="2575617" cy="3549645"/>
+            <a:off x="4923353" y="1688661"/>
+            <a:ext cx="4146506" cy="2764337"/>
           </a:xfrm>
           <a:prstGeom prst="rect">
             <a:avLst/>
@@ -7589,9 +7578,9 @@
             <a:noFill/>
           </a:ln>
           <a:effectLst>
-            <a:outerShdw blurRad="149987" dist="250190" dir="8460000" algn="ctr">
+            <a:outerShdw blurRad="190500" dist="228600" dir="2700000" algn="ctr">
               <a:srgbClr val="000000">
-                <a:alpha val="28000"/>
+                <a:alpha val="30000"/>
               </a:srgbClr>
             </a:outerShdw>
           </a:effectLst>
@@ -7599,49 +7588,15 @@
             <a:camera prst="orthographicFront">
               <a:rot lat="0" lon="0" rev="0"/>
             </a:camera>
-            <a:lightRig rig="contrasting" dir="t">
-              <a:rot lat="0" lon="0" rev="1500000"/>
+            <a:lightRig rig="glow" dir="t">
+              <a:rot lat="0" lon="0" rev="4800000"/>
             </a:lightRig>
           </a:scene3d>
-          <a:sp3d prstMaterial="metal">
-            <a:bevelT w="88900" h="88900"/>
+          <a:sp3d prstMaterial="matte">
+            <a:bevelT w="127000" h="63500"/>
           </a:sp3d>
         </p:spPr>
       </p:pic>
-      <p:sp>
-        <p:nvSpPr>
-          <p:cNvPr id="8" name="Szövegdoboz 7"/>
-          <p:cNvSpPr txBox="1"/>
-          <p:nvPr/>
-        </p:nvSpPr>
-        <p:spPr>
-          <a:xfrm>
-            <a:off x="238898" y="2286000"/>
-            <a:ext cx="5449208" cy="1200329"/>
-          </a:xfrm>
-          <a:prstGeom prst="rect">
-            <a:avLst/>
-          </a:prstGeom>
-          <a:noFill/>
-        </p:spPr>
-        <p:txBody>
-          <a:bodyPr wrap="square" rtlCol="0">
-            <a:spAutoFit/>
-          </a:bodyPr>
-          <a:lstStyle/>
-          <a:p>
-            <a:r>
-              <a:rPr lang="hu-HU" sz="2400" dirty="0" smtClean="0">
-                <a:latin typeface="Adobe Garamond Pro Bold" panose="02020702060506020403" pitchFamily="18" charset="-18"/>
-              </a:rPr>
-              <a:t>Köszönet mindenkinek, aki közvetlen, vagy közvetett módon hozzájárult a képzés sikerességéhez, megszervezéséhez!</a:t>
-            </a:r>
-            <a:endParaRPr lang="hu-HU" sz="2400" dirty="0">
-              <a:latin typeface="Adobe Garamond Pro Bold" panose="02020702060506020403" pitchFamily="18" charset="-18"/>
-            </a:endParaRPr>
-          </a:p>
-        </p:txBody>
-      </p:sp>
     </p:spTree>
     <p:extLst>
       <p:ext uri="{BB962C8B-B14F-4D97-AF65-F5344CB8AC3E}">
@@ -7655,129 +7610,7 @@
   <p:timing>
     <p:tnLst>
       <p:par>
-        <p:cTn id="1" dur="indefinite" restart="never" nodeType="tmRoot">
-          <p:childTnLst>
-            <p:seq concurrent="1" nextAc="seek">
-              <p:cTn id="2" dur="indefinite" nodeType="mainSeq">
-                <p:childTnLst>
-                  <p:par>
-                    <p:cTn id="3" fill="hold">
-                      <p:stCondLst>
-                        <p:cond delay="indefinite"/>
-                      </p:stCondLst>
-                      <p:childTnLst>
-                        <p:par>
-                          <p:cTn id="4" fill="hold">
-                            <p:stCondLst>
-                              <p:cond delay="0"/>
-                            </p:stCondLst>
-                            <p:childTnLst>
-                              <p:par>
-                                <p:cTn id="5" presetID="53" presetClass="entr" presetSubtype="16" fill="hold" nodeType="clickEffect">
-                                  <p:stCondLst>
-                                    <p:cond delay="0"/>
-                                  </p:stCondLst>
-                                  <p:childTnLst>
-                                    <p:set>
-                                      <p:cBhvr>
-                                        <p:cTn id="6" dur="1" fill="hold">
-                                          <p:stCondLst>
-                                            <p:cond delay="0"/>
-                                          </p:stCondLst>
-                                        </p:cTn>
-                                        <p:tgtEl>
-                                          <p:spTgt spid="7"/>
-                                        </p:tgtEl>
-                                        <p:attrNameLst>
-                                          <p:attrName>style.visibility</p:attrName>
-                                        </p:attrNameLst>
-                                      </p:cBhvr>
-                                      <p:to>
-                                        <p:strVal val="visible"/>
-                                      </p:to>
-                                    </p:set>
-                                    <p:anim calcmode="lin" valueType="num">
-                                      <p:cBhvr>
-                                        <p:cTn id="7" dur="500" fill="hold"/>
-                                        <p:tgtEl>
-                                          <p:spTgt spid="7"/>
-                                        </p:tgtEl>
-                                        <p:attrNameLst>
-                                          <p:attrName>ppt_w</p:attrName>
-                                        </p:attrNameLst>
-                                      </p:cBhvr>
-                                      <p:tavLst>
-                                        <p:tav tm="0">
-                                          <p:val>
-                                            <p:fltVal val="0"/>
-                                          </p:val>
-                                        </p:tav>
-                                        <p:tav tm="100000">
-                                          <p:val>
-                                            <p:strVal val="#ppt_w"/>
-                                          </p:val>
-                                        </p:tav>
-                                      </p:tavLst>
-                                    </p:anim>
-                                    <p:anim calcmode="lin" valueType="num">
-                                      <p:cBhvr>
-                                        <p:cTn id="8" dur="500" fill="hold"/>
-                                        <p:tgtEl>
-                                          <p:spTgt spid="7"/>
-                                        </p:tgtEl>
-                                        <p:attrNameLst>
-                                          <p:attrName>ppt_h</p:attrName>
-                                        </p:attrNameLst>
-                                      </p:cBhvr>
-                                      <p:tavLst>
-                                        <p:tav tm="0">
-                                          <p:val>
-                                            <p:fltVal val="0"/>
-                                          </p:val>
-                                        </p:tav>
-                                        <p:tav tm="100000">
-                                          <p:val>
-                                            <p:strVal val="#ppt_h"/>
-                                          </p:val>
-                                        </p:tav>
-                                      </p:tavLst>
-                                    </p:anim>
-                                    <p:animEffect transition="in" filter="fade">
-                                      <p:cBhvr>
-                                        <p:cTn id="9" dur="500"/>
-                                        <p:tgtEl>
-                                          <p:spTgt spid="7"/>
-                                        </p:tgtEl>
-                                      </p:cBhvr>
-                                    </p:animEffect>
-                                  </p:childTnLst>
-                                </p:cTn>
-                              </p:par>
-                            </p:childTnLst>
-                          </p:cTn>
-                        </p:par>
-                      </p:childTnLst>
-                    </p:cTn>
-                  </p:par>
-                </p:childTnLst>
-              </p:cTn>
-              <p:prevCondLst>
-                <p:cond evt="onPrev" delay="0">
-                  <p:tgtEl>
-                    <p:sldTgt/>
-                  </p:tgtEl>
-                </p:cond>
-              </p:prevCondLst>
-              <p:nextCondLst>
-                <p:cond evt="onNext" delay="0">
-                  <p:tgtEl>
-                    <p:sldTgt/>
-                  </p:tgtEl>
-                </p:cond>
-              </p:nextCondLst>
-            </p:seq>
-          </p:childTnLst>
-        </p:cTn>
+        <p:cTn id="1" dur="indefinite" restart="never" nodeType="tmRoot"/>
       </p:par>
     </p:tnLst>
   </p:timing>
@@ -8025,12 +7858,6 @@
               </a:rPr>
               <a:t>Preznyák László</a:t>
             </a:r>
-            <a:endParaRPr lang="hu-HU" sz="1500" i="1" dirty="0" smtClean="0">
-              <a:solidFill>
-                <a:schemeClr val="bg1"/>
-              </a:solidFill>
-              <a:latin typeface="+mj-lt"/>
-            </a:endParaRPr>
           </a:p>
           <a:p>
             <a:pPr marL="0" indent="0">
